--- a/Docker.pptx
+++ b/Docker.pptx
@@ -26,6 +26,7 @@
     <p:sldId id="271" r:id="rId23"/>
     <p:sldId id="272" r:id="rId24"/>
     <p:sldId id="273" r:id="rId25"/>
+    <p:sldId id="274" r:id="rId26"/>
   </p:sldIdLst>
   <p:sldSz cx="24384000" cy="13716000"/>
   <p:notesSz cx="6858000" cy="9144000"/>
@@ -4273,7 +4274,7 @@
       </p:grpSpPr>
       <p:sp>
         <p:nvSpPr>
-          <p:cNvPr id="212" name="Kubernetes"/>
+          <p:cNvPr id="212" name="Docker registry"/>
           <p:cNvSpPr txBox="1"/>
           <p:nvPr>
             <p:ph type="title"/>
@@ -4290,14 +4291,14 @@
           <a:p>
             <a:pPr/>
             <a:r>
-              <a:t>Kubernetes</a:t>
-            </a:r>
-          </a:p>
-        </p:txBody>
-      </p:sp>
-      <p:sp>
-        <p:nvSpPr>
-          <p:cNvPr id="213" name="Предтече"/>
+              <a:t>Docker registry</a:t>
+            </a:r>
+          </a:p>
+        </p:txBody>
+      </p:sp>
+      <p:sp>
+        <p:nvSpPr>
+          <p:cNvPr id="213" name="Подзаголовок слайда"/>
           <p:cNvSpPr txBox="1"/>
           <p:nvPr>
             <p:ph type="body" idx="21"/>
@@ -4307,26 +4308,18 @@
           <a:prstGeom prst="rect">
             <a:avLst/>
           </a:prstGeom>
-          <a:extLst>
-            <a:ext uri="{C572A759-6A51-4108-AA02-DFA0A04FC94B}">
-              <ma14:wrappingTextBoxFlag xmlns:ma14="http://schemas.microsoft.com/office/mac/drawingml/2011/main" val="1"/>
-            </a:ext>
-          </a:extLst>
-        </p:spPr>
-        <p:txBody>
-          <a:bodyPr/>
-          <a:lstStyle/>
-          <a:p>
-            <a:pPr/>
-            <a:r>
-              <a:t>Предтече</a:t>
-            </a:r>
-          </a:p>
-        </p:txBody>
-      </p:sp>
-      <p:sp>
-        <p:nvSpPr>
-          <p:cNvPr id="214" name="Docker совершил прорыв в области сборки и запуска приложений. Однажды собранный дистрибутив можно использовать независимо от окружения, в котором он собирается или запускается (это довольно частая боль без Докера).…"/>
+        </p:spPr>
+        <p:txBody>
+          <a:bodyPr/>
+          <a:lstStyle/>
+          <a:p>
+            <a:pPr/>
+          </a:p>
+        </p:txBody>
+      </p:sp>
+      <p:sp>
+        <p:nvSpPr>
+          <p:cNvPr id="214" name="Registry - хранилище Docker-образов. Может быть как облачным, так и self-hosted (обычно на базе Sonatype Nexus).…"/>
           <p:cNvSpPr txBox="1"/>
           <p:nvPr>
             <p:ph type="body" idx="1"/>
@@ -4343,13 +4336,13 @@
           <a:p>
             <a:pPr/>
             <a:r>
-              <a:t>Docker совершил прорыв в области сборки и запуска приложений. Однажды собранный дистрибутив можно использовать независимо от окружения, в котором он собирается или запускается (это довольно частая боль без Докера).</a:t>
-            </a:r>
-          </a:p>
-          <a:p>
-            <a:pPr/>
-            <a:r>
-              <a:t>Однако в больших приложениях часто могут использоваться десятки, сотни, а то и тысячи подприложений (сервисов). Чтобы запустить, отмасштабировать, перезапустить и провести любые другие операции с ними, нужно много ручной работы либо кучи скриптов. Как быть?</a:t>
+              <a:t>Registry - хранилище Docker-образов. Может быть как облачным, так и self-hosted (обычно на базе Sonatype Nexus).</a:t>
+            </a:r>
+          </a:p>
+          <a:p>
+            <a:pPr/>
+            <a:r>
+              <a:t>Самый известный registry - Docker Hub.</a:t>
             </a:r>
           </a:p>
         </p:txBody>
@@ -4406,7 +4399,7 @@
       </p:sp>
       <p:sp>
         <p:nvSpPr>
-          <p:cNvPr id="217" name="Система оркестрации контейнеров"/>
+          <p:cNvPr id="217" name="Предтече"/>
           <p:cNvSpPr txBox="1"/>
           <p:nvPr>
             <p:ph type="body" idx="21"/>
@@ -4428,14 +4421,14 @@
           <a:p>
             <a:pPr/>
             <a:r>
-              <a:t>Система оркестрации контейнеров</a:t>
-            </a:r>
-          </a:p>
-        </p:txBody>
-      </p:sp>
-      <p:sp>
-        <p:nvSpPr>
-          <p:cNvPr id="218" name="Так появился Kubernetes (часто ещё называют k8s). Это система оркестрации (то есть управления) контейнеров, которая позволяет запускать контейнеры, перезапускать, останавливать, добавлять новые и удалять старые.…"/>
+              <a:t>Предтече</a:t>
+            </a:r>
+          </a:p>
+        </p:txBody>
+      </p:sp>
+      <p:sp>
+        <p:nvSpPr>
+          <p:cNvPr id="218" name="Docker совершил прорыв в области сборки и запуска приложений. Однажды собранный дистрибутив можно использовать независимо от окружения, в котором он собирается или запускается (это довольно частая боль без Докера).…"/>
           <p:cNvSpPr txBox="1"/>
           <p:nvPr>
             <p:ph type="body" idx="1"/>
@@ -4452,13 +4445,13 @@
           <a:p>
             <a:pPr/>
             <a:r>
-              <a:t>Так появился Kubernetes (часто ещё называют k8s). Это система оркестрации (то есть управления) контейнеров, которая позволяет запускать контейнеры, перезапускать, останавливать, добавлять новые и удалять старые.</a:t>
-            </a:r>
-          </a:p>
-          <a:p>
-            <a:pPr/>
-            <a:r>
-              <a:t>Все операции в нём автоматизированы и выполняются несколькими командами.</a:t>
+              <a:t>Docker совершил прорыв в области сборки и запуска приложений. Однажды собранный дистрибутив можно использовать независимо от окружения, в котором он собирается или запускается (это довольно частая боль без Докера).</a:t>
+            </a:r>
+          </a:p>
+          <a:p>
+            <a:pPr/>
+            <a:r>
+              <a:t>Однако в больших приложениях часто могут использоваться десятки, сотни, а то и тысячи подприложений (сервисов). Чтобы запустить, отмасштабировать, перезапустить и провести любые другие операции с ними, нужно много ручной работы либо кучи скриптов. Как быть?</a:t>
             </a:r>
           </a:p>
         </p:txBody>
@@ -4491,7 +4484,7 @@
       </p:grpSpPr>
       <p:sp>
         <p:nvSpPr>
-          <p:cNvPr id="220" name="Архитектура Kubernetes"/>
+          <p:cNvPr id="220" name="Kubernetes"/>
           <p:cNvSpPr txBox="1"/>
           <p:nvPr>
             <p:ph type="title"/>
@@ -4508,14 +4501,14 @@
           <a:p>
             <a:pPr/>
             <a:r>
-              <a:t>Архитектура Kubernetes</a:t>
-            </a:r>
-          </a:p>
-        </p:txBody>
-      </p:sp>
-      <p:sp>
-        <p:nvSpPr>
-          <p:cNvPr id="221" name="Подзаголовок слайда"/>
+              <a:t>Kubernetes</a:t>
+            </a:r>
+          </a:p>
+        </p:txBody>
+      </p:sp>
+      <p:sp>
+        <p:nvSpPr>
+          <p:cNvPr id="221" name="Система оркестрации контейнеров"/>
           <p:cNvSpPr txBox="1"/>
           <p:nvPr>
             <p:ph type="body" idx="21"/>
@@ -4525,18 +4518,26 @@
           <a:prstGeom prst="rect">
             <a:avLst/>
           </a:prstGeom>
-        </p:spPr>
-        <p:txBody>
-          <a:bodyPr/>
-          <a:lstStyle/>
-          <a:p>
-            <a:pPr/>
-          </a:p>
-        </p:txBody>
-      </p:sp>
-      <p:sp>
-        <p:nvSpPr>
-          <p:cNvPr id="222" name="Текст пункта на слайде"/>
+          <a:extLst>
+            <a:ext uri="{C572A759-6A51-4108-AA02-DFA0A04FC94B}">
+              <ma14:wrappingTextBoxFlag xmlns:ma14="http://schemas.microsoft.com/office/mac/drawingml/2011/main" val="1"/>
+            </a:ext>
+          </a:extLst>
+        </p:spPr>
+        <p:txBody>
+          <a:bodyPr/>
+          <a:lstStyle/>
+          <a:p>
+            <a:pPr/>
+            <a:r>
+              <a:t>Система оркестрации контейнеров</a:t>
+            </a:r>
+          </a:p>
+        </p:txBody>
+      </p:sp>
+      <p:sp>
+        <p:nvSpPr>
+          <p:cNvPr id="222" name="Так появился Kubernetes (часто ещё называют k8s). Это система оркестрации (то есть управления) контейнеров, которая позволяет запускать контейнеры, перезапускать, останавливать, добавлять новые и удалять старые.…"/>
           <p:cNvSpPr txBox="1"/>
           <p:nvPr>
             <p:ph type="body" idx="1"/>
@@ -4552,38 +4553,18 @@
           <a:lstStyle/>
           <a:p>
             <a:pPr/>
-          </a:p>
-        </p:txBody>
-      </p:sp>
-      <p:pic>
-        <p:nvPicPr>
-          <p:cNvPr id="223" name="вставленный-фильм.png" descr="вставленный-фильм.png"/>
-          <p:cNvPicPr>
-            <a:picLocks noChangeAspect="1"/>
-          </p:cNvPicPr>
-          <p:nvPr/>
-        </p:nvPicPr>
-        <p:blipFill>
-          <a:blip r:embed="rId2">
-            <a:extLst/>
-          </a:blip>
-          <a:stretch>
-            <a:fillRect/>
-          </a:stretch>
-        </p:blipFill>
-        <p:spPr>
-          <a:xfrm>
-            <a:off x="5611728" y="3419539"/>
-            <a:ext cx="14771926" cy="9288248"/>
-          </a:xfrm>
-          <a:prstGeom prst="rect">
-            <a:avLst/>
-          </a:prstGeom>
-          <a:ln w="12700">
-            <a:miter lim="400000"/>
-          </a:ln>
-        </p:spPr>
-      </p:pic>
+            <a:r>
+              <a:t>Так появился Kubernetes (часто ещё называют k8s). Это система оркестрации (то есть управления) контейнеров, которая позволяет запускать контейнеры, перезапускать, останавливать, добавлять новые и удалять старые.</a:t>
+            </a:r>
+          </a:p>
+          <a:p>
+            <a:pPr/>
+            <a:r>
+              <a:t>Все операции в нём автоматизированы и выполняются несколькими командами.</a:t>
+            </a:r>
+          </a:p>
+        </p:txBody>
+      </p:sp>
     </p:spTree>
   </p:cSld>
   <p:clrMapOvr>
@@ -4612,7 +4593,7 @@
       </p:grpSpPr>
       <p:sp>
         <p:nvSpPr>
-          <p:cNvPr id="225" name="Основные понятия"/>
+          <p:cNvPr id="224" name="Архитектура Kubernetes"/>
           <p:cNvSpPr txBox="1"/>
           <p:nvPr>
             <p:ph type="title"/>
@@ -4629,14 +4610,14 @@
           <a:p>
             <a:pPr/>
             <a:r>
-              <a:t>Основные понятия</a:t>
-            </a:r>
-          </a:p>
-        </p:txBody>
-      </p:sp>
-      <p:sp>
-        <p:nvSpPr>
-          <p:cNvPr id="226" name="Подзаголовок слайда"/>
+              <a:t>Архитектура Kubernetes</a:t>
+            </a:r>
+          </a:p>
+        </p:txBody>
+      </p:sp>
+      <p:sp>
+        <p:nvSpPr>
+          <p:cNvPr id="225" name="Подзаголовок слайда"/>
           <p:cNvSpPr txBox="1"/>
           <p:nvPr>
             <p:ph type="body" idx="21"/>
@@ -4657,7 +4638,7 @@
       </p:sp>
       <p:sp>
         <p:nvSpPr>
-          <p:cNvPr id="227" name="Под (pod) - запущенный контейнер.…"/>
+          <p:cNvPr id="226" name="Текст пункта на слайде"/>
           <p:cNvSpPr txBox="1"/>
           <p:nvPr>
             <p:ph type="body" idx="1"/>
@@ -4673,30 +4654,38 @@
           <a:lstStyle/>
           <a:p>
             <a:pPr/>
-            <a:r>
-              <a:t>Под (pod) - запущенный контейнер.</a:t>
-            </a:r>
-          </a:p>
-          <a:p>
-            <a:pPr/>
-            <a:r>
-              <a:t>Replica set - набор запущенных идентичных подов (то есть из одного образа).</a:t>
-            </a:r>
-          </a:p>
-          <a:p>
-            <a:pPr/>
-            <a:r>
-              <a:t>Деплоймент (deployment) - сущность, позволяющая обновлять поды и replica sets.</a:t>
-            </a:r>
-          </a:p>
-          <a:p>
-            <a:pPr/>
-            <a:r>
-              <a:t>Неймспейс (namespace) - пространство для подов, в рамках которого они могут свободно общаться друг с другом. Извне пространства нужны специальные инструменты (вроде Ingress), чтобы достучаться до подов.</a:t>
-            </a:r>
-          </a:p>
-        </p:txBody>
-      </p:sp>
+          </a:p>
+        </p:txBody>
+      </p:sp>
+      <p:pic>
+        <p:nvPicPr>
+          <p:cNvPr id="227" name="вставленный-фильм.png" descr="вставленный-фильм.png"/>
+          <p:cNvPicPr>
+            <a:picLocks noChangeAspect="1"/>
+          </p:cNvPicPr>
+          <p:nvPr/>
+        </p:nvPicPr>
+        <p:blipFill>
+          <a:blip r:embed="rId2">
+            <a:extLst/>
+          </a:blip>
+          <a:stretch>
+            <a:fillRect/>
+          </a:stretch>
+        </p:blipFill>
+        <p:spPr>
+          <a:xfrm>
+            <a:off x="5611728" y="3419539"/>
+            <a:ext cx="14771926" cy="9288247"/>
+          </a:xfrm>
+          <a:prstGeom prst="rect">
+            <a:avLst/>
+          </a:prstGeom>
+          <a:ln w="12700">
+            <a:miter lim="400000"/>
+          </a:ln>
+        </p:spPr>
+      </p:pic>
     </p:spTree>
   </p:cSld>
   <p:clrMapOvr>
@@ -4725,7 +4714,7 @@
       </p:grpSpPr>
       <p:sp>
         <p:nvSpPr>
-          <p:cNvPr id="229" name="Деплой в кластер"/>
+          <p:cNvPr id="229" name="Основные понятия"/>
           <p:cNvSpPr txBox="1"/>
           <p:nvPr>
             <p:ph type="title"/>
@@ -4742,7 +4731,7 @@
           <a:p>
             <a:pPr/>
             <a:r>
-              <a:t>Деплой в кластер</a:t>
+              <a:t>Основные понятия</a:t>
             </a:r>
           </a:p>
         </p:txBody>
@@ -4770,7 +4759,7 @@
       </p:sp>
       <p:sp>
         <p:nvSpPr>
-          <p:cNvPr id="231" name="1. Поступает команда на создание деплоймента.…"/>
+          <p:cNvPr id="231" name="Под (pod) - запущенный контейнер.…"/>
           <p:cNvSpPr txBox="1"/>
           <p:nvPr>
             <p:ph type="body" idx="1"/>
@@ -4787,25 +4776,25 @@
           <a:p>
             <a:pPr/>
             <a:r>
-              <a:t>1. Поступает команда на создание деплоймента.</a:t>
-            </a:r>
-          </a:p>
-          <a:p>
-            <a:pPr/>
-            <a:r>
-              <a:t>В команде указывается, из какого образа его собрать. Например: kubectl create deployment &lt;name&gt; --image=docker.io/&lt;image&gt;</a:t>
-            </a:r>
-          </a:p>
-          <a:p>
-            <a:pPr/>
-            <a:r>
-              <a:t>2. K8s идёт в registry, скачивает оттуда нужный образ.</a:t>
-            </a:r>
-          </a:p>
-          <a:p>
-            <a:pPr/>
-            <a:r>
-              <a:t>3. После скачивания создаёт указанное число pod’ов в указанном неймспейсе.</a:t>
+              <a:t>Под (pod) - запущенный контейнер.</a:t>
+            </a:r>
+          </a:p>
+          <a:p>
+            <a:pPr/>
+            <a:r>
+              <a:t>Replica set - набор запущенных идентичных подов (то есть из одного образа).</a:t>
+            </a:r>
+          </a:p>
+          <a:p>
+            <a:pPr/>
+            <a:r>
+              <a:t>Деплоймент (deployment) - сущность, позволяющая обновлять поды и replica sets.</a:t>
+            </a:r>
+          </a:p>
+          <a:p>
+            <a:pPr/>
+            <a:r>
+              <a:t>Неймспейс (namespace) - пространство для подов, в рамках которого они могут свободно общаться друг с другом. Извне пространства нужны специальные инструменты (вроде Ingress), чтобы достучаться до подов.</a:t>
             </a:r>
           </a:p>
         </p:txBody>
@@ -4838,7 +4827,7 @@
       </p:grpSpPr>
       <p:sp>
         <p:nvSpPr>
-          <p:cNvPr id="233" name="Альтернативы"/>
+          <p:cNvPr id="233" name="Деплой в кластер"/>
           <p:cNvSpPr txBox="1"/>
           <p:nvPr>
             <p:ph type="title"/>
@@ -4855,7 +4844,7 @@
           <a:p>
             <a:pPr/>
             <a:r>
-              <a:t>Альтернативы</a:t>
+              <a:t>Деплой в кластер</a:t>
             </a:r>
           </a:p>
         </p:txBody>
@@ -4883,7 +4872,7 @@
       </p:sp>
       <p:sp>
         <p:nvSpPr>
-          <p:cNvPr id="235" name="Kubernetes - де-факто стандарт среди OpenSource систем оркестрации.…"/>
+          <p:cNvPr id="235" name="1. Поступает команда на создание деплоймента.…"/>
           <p:cNvSpPr txBox="1"/>
           <p:nvPr>
             <p:ph type="body" idx="1"/>
@@ -4900,43 +4889,25 @@
           <a:p>
             <a:pPr/>
             <a:r>
-              <a:t>Kubernetes - де-факто стандарт среди OpenSource систем оркестрации.</a:t>
-            </a:r>
-          </a:p>
-          <a:p>
-            <a:pPr/>
-            <a:r>
-              <a:t>Однако у него есть альтернативы:</a:t>
-            </a:r>
-          </a:p>
-          <a:p>
-            <a:pPr/>
-            <a:r>
-              <a:t>1. Docker Swarm</a:t>
-            </a:r>
-          </a:p>
-          <a:p>
-            <a:pPr/>
-            <a:r>
-              <a:t>2. Rancher</a:t>
-            </a:r>
-          </a:p>
-          <a:p>
-            <a:pPr/>
-            <a:r>
-              <a:t>3. OpenShift (по факту, развитие Kubernetes).</a:t>
-            </a:r>
-          </a:p>
-          <a:p>
-            <a:pPr/>
-            <a:r>
-              <a:t>4. Helios</a:t>
-            </a:r>
-          </a:p>
-          <a:p>
-            <a:pPr/>
-            <a:r>
-              <a:t>и т.д.</a:t>
+              <a:t>1. Поступает команда на создание деплоймента.</a:t>
+            </a:r>
+          </a:p>
+          <a:p>
+            <a:pPr/>
+            <a:r>
+              <a:t>В команде указывается, из какого образа его собрать. Например: kubectl create deployment &lt;name&gt; --image=docker.io/&lt;image&gt;</a:t>
+            </a:r>
+          </a:p>
+          <a:p>
+            <a:pPr/>
+            <a:r>
+              <a:t>2. K8s идёт в registry, скачивает оттуда нужный образ.</a:t>
+            </a:r>
+          </a:p>
+          <a:p>
+            <a:pPr/>
+            <a:r>
+              <a:t>3. После скачивания создаёт указанное число pod’ов в указанном неймспейсе.</a:t>
             </a:r>
           </a:p>
         </p:txBody>
@@ -4969,7 +4940,7 @@
       </p:grpSpPr>
       <p:sp>
         <p:nvSpPr>
-          <p:cNvPr id="237" name="Minikube"/>
+          <p:cNvPr id="237" name="Альтернативы"/>
           <p:cNvSpPr txBox="1"/>
           <p:nvPr>
             <p:ph type="title"/>
@@ -4986,7 +4957,7 @@
           <a:p>
             <a:pPr/>
             <a:r>
-              <a:t>Minikube</a:t>
+              <a:t>Альтернативы</a:t>
             </a:r>
           </a:p>
         </p:txBody>
@@ -5014,7 +4985,7 @@
       </p:sp>
       <p:sp>
         <p:nvSpPr>
-          <p:cNvPr id="239" name="Minikube - однонодовый кластер k8s (всё на одной машине). С ним мы поработаем на практике."/>
+          <p:cNvPr id="239" name="Kubernetes - де-факто стандарт среди OpenSource систем оркестрации.…"/>
           <p:cNvSpPr txBox="1"/>
           <p:nvPr>
             <p:ph type="body" idx="1"/>
@@ -5029,9 +5000,45 @@
           <a:bodyPr/>
           <a:lstStyle/>
           <a:p>
-            <a:pPr lvl="1"/>
-            <a:r>
-              <a:t>Minikube - однонодовый кластер k8s (всё на одной машине). С ним мы поработаем на практике.</a:t>
+            <a:pPr/>
+            <a:r>
+              <a:t>Kubernetes - де-факто стандарт среди OpenSource систем оркестрации.</a:t>
+            </a:r>
+          </a:p>
+          <a:p>
+            <a:pPr/>
+            <a:r>
+              <a:t>Однако у него есть альтернативы:</a:t>
+            </a:r>
+          </a:p>
+          <a:p>
+            <a:pPr/>
+            <a:r>
+              <a:t>1. Docker Swarm</a:t>
+            </a:r>
+          </a:p>
+          <a:p>
+            <a:pPr/>
+            <a:r>
+              <a:t>2. Rancher</a:t>
+            </a:r>
+          </a:p>
+          <a:p>
+            <a:pPr/>
+            <a:r>
+              <a:t>3. OpenShift (по факту, развитие Kubernetes).</a:t>
+            </a:r>
+          </a:p>
+          <a:p>
+            <a:pPr/>
+            <a:r>
+              <a:t>4. Helios</a:t>
+            </a:r>
+          </a:p>
+          <a:p>
+            <a:pPr/>
+            <a:r>
+              <a:t>и т.д.</a:t>
             </a:r>
           </a:p>
         </p:txBody>
@@ -5064,7 +5071,7 @@
       </p:grpSpPr>
       <p:sp>
         <p:nvSpPr>
-          <p:cNvPr id="241" name="Автоматизации автоматизации"/>
+          <p:cNvPr id="241" name="Minikube"/>
           <p:cNvSpPr txBox="1"/>
           <p:nvPr>
             <p:ph type="title"/>
@@ -5081,14 +5088,14 @@
           <a:p>
             <a:pPr/>
             <a:r>
-              <a:t>Автоматизации автоматизации</a:t>
-            </a:r>
-          </a:p>
-        </p:txBody>
-      </p:sp>
-      <p:sp>
-        <p:nvSpPr>
-          <p:cNvPr id="242" name="Helm"/>
+              <a:t>Minikube</a:t>
+            </a:r>
+          </a:p>
+        </p:txBody>
+      </p:sp>
+      <p:sp>
+        <p:nvSpPr>
+          <p:cNvPr id="242" name="Подзаголовок слайда"/>
           <p:cNvSpPr txBox="1"/>
           <p:nvPr>
             <p:ph type="body" idx="21"/>
@@ -5098,26 +5105,18 @@
           <a:prstGeom prst="rect">
             <a:avLst/>
           </a:prstGeom>
-          <a:extLst>
-            <a:ext uri="{C572A759-6A51-4108-AA02-DFA0A04FC94B}">
-              <ma14:wrappingTextBoxFlag xmlns:ma14="http://schemas.microsoft.com/office/mac/drawingml/2011/main" val="1"/>
-            </a:ext>
-          </a:extLst>
-        </p:spPr>
-        <p:txBody>
-          <a:bodyPr/>
-          <a:lstStyle/>
-          <a:p>
-            <a:pPr/>
-            <a:r>
-              <a:t>Helm</a:t>
-            </a:r>
-          </a:p>
-        </p:txBody>
-      </p:sp>
-      <p:sp>
-        <p:nvSpPr>
-          <p:cNvPr id="243" name="Чтобы было проще описывать сущности Kubernetes и управлять ими, придумали пакетный менеджер под названием Helm.…"/>
+        </p:spPr>
+        <p:txBody>
+          <a:bodyPr/>
+          <a:lstStyle/>
+          <a:p>
+            <a:pPr/>
+          </a:p>
+        </p:txBody>
+      </p:sp>
+      <p:sp>
+        <p:nvSpPr>
+          <p:cNvPr id="243" name="Minikube - однонодовый кластер k8s (всё на одной машине). С ним мы поработаем на практике."/>
           <p:cNvSpPr txBox="1"/>
           <p:nvPr>
             <p:ph type="body" idx="1"/>
@@ -5132,27 +5131,9 @@
           <a:bodyPr/>
           <a:lstStyle/>
           <a:p>
-            <a:pPr/>
-            <a:r>
-              <a:t>Чтобы было проще описывать сущности Kubernetes и управлять ими, придумали пакетный менеджер под названием Helm.</a:t>
-            </a:r>
-          </a:p>
-          <a:p>
-            <a:pPr/>
-            <a:r>
-              <a:t>Он позволяет создавать сервисы, воркеры, джобы, создавать их релизы, устанавливать и откатывать их.</a:t>
-            </a:r>
-          </a:p>
-          <a:p>
-            <a:pPr/>
-            <a:r>
-              <a:t>Ключевое понятие - Helm chart, пакет, описывающий конкретное приложение и содержащий все необходимые ресурсы.</a:t>
-            </a:r>
-          </a:p>
-          <a:p>
-            <a:pPr/>
-            <a:r>
-              <a:t>В рамках нашего курса мы только обзорно посмотрим на него.</a:t>
+            <a:pPr lvl="1"/>
+            <a:r>
+              <a:t>Minikube - однонодовый кластер k8s (всё на одной машине). С ним мы поработаем на практике.</a:t>
             </a:r>
           </a:p>
         </p:txBody>
@@ -5185,7 +5166,7 @@
       </p:grpSpPr>
       <p:sp>
         <p:nvSpPr>
-          <p:cNvPr id="245" name="Типовая структура чарта"/>
+          <p:cNvPr id="245" name="Автоматизации автоматизации"/>
           <p:cNvSpPr txBox="1"/>
           <p:nvPr>
             <p:ph type="title"/>
@@ -5202,6 +5183,127 @@
           <a:p>
             <a:pPr/>
             <a:r>
+              <a:t>Автоматизации автоматизации</a:t>
+            </a:r>
+          </a:p>
+        </p:txBody>
+      </p:sp>
+      <p:sp>
+        <p:nvSpPr>
+          <p:cNvPr id="246" name="Helm"/>
+          <p:cNvSpPr txBox="1"/>
+          <p:nvPr>
+            <p:ph type="body" idx="21"/>
+          </p:nvPr>
+        </p:nvSpPr>
+        <p:spPr>
+          <a:prstGeom prst="rect">
+            <a:avLst/>
+          </a:prstGeom>
+          <a:extLst>
+            <a:ext uri="{C572A759-6A51-4108-AA02-DFA0A04FC94B}">
+              <ma14:wrappingTextBoxFlag xmlns:ma14="http://schemas.microsoft.com/office/mac/drawingml/2011/main" val="1"/>
+            </a:ext>
+          </a:extLst>
+        </p:spPr>
+        <p:txBody>
+          <a:bodyPr/>
+          <a:lstStyle/>
+          <a:p>
+            <a:pPr/>
+            <a:r>
+              <a:t>Helm</a:t>
+            </a:r>
+          </a:p>
+        </p:txBody>
+      </p:sp>
+      <p:sp>
+        <p:nvSpPr>
+          <p:cNvPr id="247" name="Чтобы было проще описывать сущности Kubernetes и управлять ими, придумали пакетный менеджер под названием Helm.…"/>
+          <p:cNvSpPr txBox="1"/>
+          <p:nvPr>
+            <p:ph type="body" idx="1"/>
+          </p:nvPr>
+        </p:nvSpPr>
+        <p:spPr>
+          <a:prstGeom prst="rect">
+            <a:avLst/>
+          </a:prstGeom>
+        </p:spPr>
+        <p:txBody>
+          <a:bodyPr/>
+          <a:lstStyle/>
+          <a:p>
+            <a:pPr/>
+            <a:r>
+              <a:t>Чтобы было проще описывать сущности Kubernetes и управлять ими, придумали пакетный менеджер под названием Helm.</a:t>
+            </a:r>
+          </a:p>
+          <a:p>
+            <a:pPr/>
+            <a:r>
+              <a:t>Он позволяет создавать сервисы, воркеры, джобы, создавать их релизы, устанавливать и откатывать их.</a:t>
+            </a:r>
+          </a:p>
+          <a:p>
+            <a:pPr/>
+            <a:r>
+              <a:t>Ключевое понятие - Helm chart, пакет, описывающий конкретное приложение и содержащий все необходимые ресурсы.</a:t>
+            </a:r>
+          </a:p>
+          <a:p>
+            <a:pPr/>
+            <a:r>
+              <a:t>В рамках нашего курса мы только обзорно посмотрим на него.</a:t>
+            </a:r>
+          </a:p>
+        </p:txBody>
+      </p:sp>
+    </p:spTree>
+  </p:cSld>
+  <p:clrMapOvr>
+    <a:masterClrMapping/>
+  </p:clrMapOvr>
+  <p:transition xmlns:p14="http://schemas.microsoft.com/office/powerpoint/2010/main" spd="med" advClick="1"/>
+</p:sld>
+</file>
+
+<file path=ppt/slides/slide19.xml><?xml version="1.0" encoding="utf-8"?>
+<p:sld xmlns:a="http://schemas.openxmlformats.org/drawingml/2006/main" xmlns:r="http://schemas.openxmlformats.org/officeDocument/2006/relationships" xmlns:p="http://schemas.openxmlformats.org/presentationml/2006/main" xmlns:m="http://schemas.openxmlformats.org/officeDocument/2006/math" xmlns:a14="http://schemas.microsoft.com/office/drawing/2010/main" showMasterSp="1" showMasterPhAnim="1">
+  <p:cSld>
+    <p:spTree>
+      <p:nvGrpSpPr>
+        <p:cNvPr id="1" name=""/>
+        <p:cNvGrpSpPr/>
+        <p:nvPr/>
+      </p:nvGrpSpPr>
+      <p:grpSpPr>
+        <a:xfrm>
+          <a:off x="0" y="0"/>
+          <a:ext cx="0" cy="0"/>
+          <a:chOff x="0" y="0"/>
+          <a:chExt cx="0" cy="0"/>
+        </a:xfrm>
+      </p:grpSpPr>
+      <p:sp>
+        <p:nvSpPr>
+          <p:cNvPr id="249" name="Типовая структура чарта"/>
+          <p:cNvSpPr txBox="1"/>
+          <p:nvPr>
+            <p:ph type="title"/>
+          </p:nvPr>
+        </p:nvSpPr>
+        <p:spPr>
+          <a:prstGeom prst="rect">
+            <a:avLst/>
+          </a:prstGeom>
+        </p:spPr>
+        <p:txBody>
+          <a:bodyPr/>
+          <a:lstStyle/>
+          <a:p>
+            <a:pPr/>
+            <a:r>
               <a:t>Типовая структура чарта</a:t>
             </a:r>
           </a:p>
@@ -5209,7 +5311,7 @@
       </p:sp>
       <p:sp>
         <p:nvSpPr>
-          <p:cNvPr id="246" name="Подзаголовок слайда"/>
+          <p:cNvPr id="250" name="Подзаголовок слайда"/>
           <p:cNvSpPr txBox="1"/>
           <p:nvPr>
             <p:ph type="body" idx="21"/>
@@ -5230,7 +5332,7 @@
       </p:sp>
       <p:sp>
         <p:nvSpPr>
-          <p:cNvPr id="247" name="Самый главный файл - Chart.yaml…"/>
+          <p:cNvPr id="251" name="Самый главный файл - Chart.yaml…"/>
           <p:cNvSpPr txBox="1"/>
           <p:nvPr>
             <p:ph type="body" idx="1"/>
@@ -5284,7 +5386,7 @@
       </p:sp>
       <p:pic>
         <p:nvPicPr>
-          <p:cNvPr id="248" name="вставленный-фильм.png" descr="вставленный-фильм.png"/>
+          <p:cNvPr id="252" name="вставленный-фильм.png" descr="вставленный-фильм.png"/>
           <p:cNvPicPr>
             <a:picLocks noChangeAspect="1"/>
           </p:cNvPicPr>
@@ -5300,8 +5402,8 @@
         </p:blipFill>
         <p:spPr>
           <a:xfrm>
-            <a:off x="13044954" y="4443741"/>
-            <a:ext cx="6873804" cy="7104026"/>
+            <a:off x="13044955" y="4443741"/>
+            <a:ext cx="6873803" cy="7104026"/>
           </a:xfrm>
           <a:prstGeom prst="rect">
             <a:avLst/>
@@ -5407,7 +5509,7 @@
           <a:p>
             <a:pPr/>
             <a:r>
-              <a:t>А что такое контейнер?</a:t>
+              <a:t>А что такое контейнер и зачем он нужен?</a:t>
             </a:r>
           </a:p>
         </p:txBody>
@@ -5469,7 +5571,7 @@
       </p:grpSpPr>
       <p:sp>
         <p:nvSpPr>
-          <p:cNvPr id="180" name="Заголовок слайда"/>
+          <p:cNvPr id="180" name="Предтече"/>
           <p:cNvSpPr txBox="1"/>
           <p:nvPr>
             <p:ph type="title"/>
@@ -5485,6 +5587,9 @@
           <a:lstStyle/>
           <a:p>
             <a:pPr/>
+            <a:r>
+              <a:t>Предтече</a:t>
+            </a:r>
           </a:p>
         </p:txBody>
       </p:sp>
@@ -5511,7 +5616,7 @@
       </p:sp>
       <p:sp>
         <p:nvSpPr>
-          <p:cNvPr id="182" name="Контейнер - приложение вместо со всем необходимым окружением - минимальная ОС, рантайм, библиотеки, веб-сервер и т.д.…"/>
+          <p:cNvPr id="182" name="Когда-то (даже сейчас) приложения запускались на отдельных виртуальных машинах.…"/>
           <p:cNvSpPr txBox="1"/>
           <p:nvPr>
             <p:ph type="body" idx="1"/>
@@ -5526,21 +5631,58 @@
           <a:bodyPr/>
           <a:lstStyle/>
           <a:p>
-            <a:pPr/>
-            <a:r>
-              <a:t>Контейнер - приложение вместо со всем необходимым окружением - минимальная ОС, рантайм, библиотеки, веб-сервер и т.д.</a:t>
-            </a:r>
-          </a:p>
-          <a:p>
-            <a:pPr/>
-            <a:r>
-              <a:t>Это хорошо тем, что собранный контейнер пригоден для запуска в разных окружениях и не зависит от них (будь то разные ОС, разные машины и т.д.)</a:t>
-            </a:r>
-          </a:p>
-          <a:p>
-            <a:pPr/>
-            <a:r>
-              <a:t>Существует несколько систем контейнеризации, почему Docker?</a:t>
+            <a:pPr marL="603504" indent="-603504" defTabSz="2413955">
+              <a:spcBef>
+                <a:spcPts val="4400"/>
+              </a:spcBef>
+              <a:defRPr sz="4752"/>
+            </a:pPr>
+            <a:r>
+              <a:t>Когда-то (даже сейчас) приложения запускались на отдельных виртуальных машинах.</a:t>
+            </a:r>
+          </a:p>
+          <a:p>
+            <a:pPr marL="603504" indent="-603504" defTabSz="2413955">
+              <a:spcBef>
+                <a:spcPts val="4400"/>
+              </a:spcBef>
+              <a:defRPr sz="4752"/>
+            </a:pPr>
+            <a:r>
+              <a:t>Эти виртуальные машины нужно настраивать.</a:t>
+            </a:r>
+          </a:p>
+          <a:p>
+            <a:pPr marL="603504" indent="-603504" defTabSz="2413955">
+              <a:spcBef>
+                <a:spcPts val="4400"/>
+              </a:spcBef>
+              <a:defRPr sz="4752"/>
+            </a:pPr>
+            <a:r>
+              <a:t>Для Production и Dev окружения машины могли быть разными (да даже в рамках окружения такое могло быть).</a:t>
+            </a:r>
+          </a:p>
+          <a:p>
+            <a:pPr marL="603504" indent="-603504" defTabSz="2413955">
+              <a:spcBef>
+                <a:spcPts val="4400"/>
+              </a:spcBef>
+              <a:defRPr sz="4752"/>
+            </a:pPr>
+            <a:r>
+              <a:t>Чтобы добавить ресурсов, нужно остановить машину. Чтобы добавить реплик, нужно создать ещё одну машину.</a:t>
+            </a:r>
+          </a:p>
+          <a:p>
+            <a:pPr marL="603504" indent="-603504" defTabSz="2413955">
+              <a:spcBef>
+                <a:spcPts val="4400"/>
+              </a:spcBef>
+              <a:defRPr sz="4752"/>
+            </a:pPr>
+            <a:r>
+              <a:t>Это приводит к труднодиагностируемым багам и большому неудобству в эксплуатации.</a:t>
             </a:r>
           </a:p>
         </p:txBody>
@@ -5573,7 +5715,7 @@
       </p:grpSpPr>
       <p:sp>
         <p:nvSpPr>
-          <p:cNvPr id="184" name="Заголовок слайда"/>
+          <p:cNvPr id="184" name="Контейнер"/>
           <p:cNvSpPr txBox="1"/>
           <p:nvPr>
             <p:ph type="title"/>
@@ -5589,6 +5731,9 @@
           <a:lstStyle/>
           <a:p>
             <a:pPr/>
+            <a:r>
+              <a:t>Контейнер</a:t>
+            </a:r>
           </a:p>
         </p:txBody>
       </p:sp>
@@ -5615,7 +5760,7 @@
       </p:sp>
       <p:sp>
         <p:nvSpPr>
-          <p:cNvPr id="186" name="На самом деле, вопрос стоит неправильно. Часто используется не сам Docker, а именно Docker-контейнеры. Они выбраны потому, что существует огромное количество инструментов для них, они хорошо переносимы (в отличие от HyperV/Windows-контейнеров).…"/>
+          <p:cNvPr id="186" name="Контейнер - приложение вместо со всем необходимым окружением - минимальная ОС, рантайм, библиотеки, веб-сервер и т.д.…"/>
           <p:cNvSpPr txBox="1"/>
           <p:nvPr>
             <p:ph type="body" idx="1"/>
@@ -5632,75 +5777,23 @@
           <a:p>
             <a:pPr/>
             <a:r>
-              <a:t>На самом деле, вопрос стоит неправильно. Часто используется не сам Docker, а именно Docker-контейнеры. Они выбраны потому, что существует огромное количество инструментов для них, они хорошо переносимы (в отличие от HyperV/Windows-контейнеров).</a:t>
-            </a:r>
-          </a:p>
-          <a:p>
-            <a:pPr/>
-            <a:r>
-              <a:t>Что же касается самого Docker, то у него есть альтернативы, которые довольно часто используются (Podman, containerd, который часто используется в Kubernetes, etc)</a:t>
-            </a:r>
-          </a:p>
-        </p:txBody>
-      </p:sp>
-      <p:pic>
-        <p:nvPicPr>
-          <p:cNvPr id="187" name="Изображение" descr="Изображение"/>
-          <p:cNvPicPr>
-            <a:picLocks noChangeAspect="1"/>
-          </p:cNvPicPr>
-          <p:nvPr/>
-        </p:nvPicPr>
-        <p:blipFill>
-          <a:blip r:embed="rId2">
-            <a:extLst/>
-          </a:blip>
-          <a:stretch>
-            <a:fillRect/>
-          </a:stretch>
-        </p:blipFill>
-        <p:spPr>
-          <a:xfrm>
-            <a:off x="13694265" y="9878822"/>
-            <a:ext cx="7848601" cy="2489201"/>
-          </a:xfrm>
-          <a:prstGeom prst="rect">
-            <a:avLst/>
-          </a:prstGeom>
-          <a:ln w="12700">
-            <a:miter lim="400000"/>
-          </a:ln>
-        </p:spPr>
-      </p:pic>
-      <p:pic>
-        <p:nvPicPr>
-          <p:cNvPr id="188" name="Изображение" descr="Изображение"/>
-          <p:cNvPicPr>
-            <a:picLocks noChangeAspect="1"/>
-          </p:cNvPicPr>
-          <p:nvPr/>
-        </p:nvPicPr>
-        <p:blipFill>
-          <a:blip r:embed="rId3">
-            <a:extLst/>
-          </a:blip>
-          <a:stretch>
-            <a:fillRect/>
-          </a:stretch>
-        </p:blipFill>
-        <p:spPr>
-          <a:xfrm>
-            <a:off x="3108611" y="9726422"/>
-            <a:ext cx="7899401" cy="2794001"/>
-          </a:xfrm>
-          <a:prstGeom prst="rect">
-            <a:avLst/>
-          </a:prstGeom>
-          <a:ln w="12700">
-            <a:miter lim="400000"/>
-          </a:ln>
-        </p:spPr>
-      </p:pic>
+              <a:t>Контейнер - приложение вместо со всем необходимым окружением - минимальная ОС, рантайм, библиотеки, веб-сервер и т.д.</a:t>
+            </a:r>
+          </a:p>
+          <a:p>
+            <a:pPr/>
+            <a:r>
+              <a:t>Это хорошо тем, что собранный контейнер пригоден для запуска в разных окружениях и не зависит от них (будь то разные ОС, разные машины и т.д.)</a:t>
+            </a:r>
+          </a:p>
+          <a:p>
+            <a:pPr/>
+            <a:r>
+              <a:t>Существует несколько систем контейнеризации, почему Docker?</a:t>
+            </a:r>
+          </a:p>
+        </p:txBody>
+      </p:sp>
     </p:spTree>
   </p:cSld>
   <p:clrMapOvr>
@@ -5729,7 +5822,7 @@
       </p:grpSpPr>
       <p:sp>
         <p:nvSpPr>
-          <p:cNvPr id="190" name="Архитектура"/>
+          <p:cNvPr id="188" name="Заголовок слайда"/>
           <p:cNvSpPr txBox="1"/>
           <p:nvPr>
             <p:ph type="title"/>
@@ -5745,15 +5838,12 @@
           <a:lstStyle/>
           <a:p>
             <a:pPr/>
-            <a:r>
-              <a:t>Архитектура</a:t>
-            </a:r>
-          </a:p>
-        </p:txBody>
-      </p:sp>
-      <p:sp>
-        <p:nvSpPr>
-          <p:cNvPr id="191" name="Чем контейнеризация отличается от виртуальных машин?"/>
+          </a:p>
+        </p:txBody>
+      </p:sp>
+      <p:sp>
+        <p:nvSpPr>
+          <p:cNvPr id="189" name="Подзаголовок слайда"/>
           <p:cNvSpPr txBox="1"/>
           <p:nvPr>
             <p:ph type="body" idx="21"/>
@@ -5763,26 +5853,18 @@
           <a:prstGeom prst="rect">
             <a:avLst/>
           </a:prstGeom>
-          <a:extLst>
-            <a:ext uri="{C572A759-6A51-4108-AA02-DFA0A04FC94B}">
-              <ma14:wrappingTextBoxFlag xmlns:ma14="http://schemas.microsoft.com/office/mac/drawingml/2011/main" val="1"/>
-            </a:ext>
-          </a:extLst>
-        </p:spPr>
-        <p:txBody>
-          <a:bodyPr/>
-          <a:lstStyle/>
-          <a:p>
-            <a:pPr/>
-            <a:r>
-              <a:t>Чем контейнеризация отличается от виртуальных машин?</a:t>
-            </a:r>
-          </a:p>
-        </p:txBody>
-      </p:sp>
-      <p:sp>
-        <p:nvSpPr>
-          <p:cNvPr id="192" name="Контейнер работает поверх родительской ОС, это не полноценная виртуальная машина. Он работает за счёт изоляции ресурсов посредством механизма cgroups в Linux."/>
+        </p:spPr>
+        <p:txBody>
+          <a:bodyPr/>
+          <a:lstStyle/>
+          <a:p>
+            <a:pPr/>
+          </a:p>
+        </p:txBody>
+      </p:sp>
+      <p:sp>
+        <p:nvSpPr>
+          <p:cNvPr id="190" name="На самом деле, вопрос стоит неправильно. Часто используется не сам Docker, а именно Docker-контейнеры. Они выбраны потому, что существует огромное количество инструментов для них, они хорошо переносимы (в отличие от HyperV/Windows-контейнеров).…"/>
           <p:cNvSpPr txBox="1"/>
           <p:nvPr>
             <p:ph type="body" idx="1"/>
@@ -5799,14 +5881,20 @@
           <a:p>
             <a:pPr/>
             <a:r>
-              <a:t>Контейнер работает поверх родительской ОС, это не полноценная виртуальная машина. Он работает за счёт изоляции ресурсов посредством механизма cgroups в Linux.</a:t>
+              <a:t>На самом деле, вопрос стоит неправильно. Часто используется не сам Docker, а именно Docker-контейнеры. Они выбраны потому, что существует огромное количество инструментов для них, они хорошо переносимы (в отличие от HyperV/Windows-контейнеров).</a:t>
+            </a:r>
+          </a:p>
+          <a:p>
+            <a:pPr/>
+            <a:r>
+              <a:t>Что же касается самого Docker, то у него есть альтернативы, которые довольно часто используются (Podman, containerd, который часто используется в Kubernetes, etc)</a:t>
             </a:r>
           </a:p>
         </p:txBody>
       </p:sp>
       <p:pic>
         <p:nvPicPr>
-          <p:cNvPr id="193" name="Изображение" descr="Изображение"/>
+          <p:cNvPr id="191" name="Изображение" descr="Изображение"/>
           <p:cNvPicPr>
             <a:picLocks noChangeAspect="1"/>
           </p:cNvPicPr>
@@ -5822,8 +5910,37 @@
         </p:blipFill>
         <p:spPr>
           <a:xfrm>
-            <a:off x="4870449" y="6440973"/>
-            <a:ext cx="14643101" cy="7137401"/>
+            <a:off x="13694264" y="9878822"/>
+            <a:ext cx="7848601" cy="2489201"/>
+          </a:xfrm>
+          <a:prstGeom prst="rect">
+            <a:avLst/>
+          </a:prstGeom>
+          <a:ln w="12700">
+            <a:miter lim="400000"/>
+          </a:ln>
+        </p:spPr>
+      </p:pic>
+      <p:pic>
+        <p:nvPicPr>
+          <p:cNvPr id="192" name="Изображение" descr="Изображение"/>
+          <p:cNvPicPr>
+            <a:picLocks noChangeAspect="1"/>
+          </p:cNvPicPr>
+          <p:nvPr/>
+        </p:nvPicPr>
+        <p:blipFill>
+          <a:blip r:embed="rId3">
+            <a:extLst/>
+          </a:blip>
+          <a:stretch>
+            <a:fillRect/>
+          </a:stretch>
+        </p:blipFill>
+        <p:spPr>
+          <a:xfrm>
+            <a:off x="3108611" y="9726422"/>
+            <a:ext cx="7899401" cy="2794001"/>
           </a:xfrm>
           <a:prstGeom prst="rect">
             <a:avLst/>
@@ -5861,7 +5978,7 @@
       </p:grpSpPr>
       <p:sp>
         <p:nvSpPr>
-          <p:cNvPr id="195" name="Docker-образ"/>
+          <p:cNvPr id="194" name="Архитектура"/>
           <p:cNvSpPr txBox="1"/>
           <p:nvPr>
             <p:ph type="title"/>
@@ -5878,14 +5995,14 @@
           <a:p>
             <a:pPr/>
             <a:r>
-              <a:t>Docker-образ</a:t>
-            </a:r>
-          </a:p>
-        </p:txBody>
-      </p:sp>
-      <p:sp>
-        <p:nvSpPr>
-          <p:cNvPr id="196" name="Подзаголовок слайда"/>
+              <a:t>Архитектура</a:t>
+            </a:r>
+          </a:p>
+        </p:txBody>
+      </p:sp>
+      <p:sp>
+        <p:nvSpPr>
+          <p:cNvPr id="195" name="Чем контейнеризация отличается от виртуальных машин?"/>
           <p:cNvSpPr txBox="1"/>
           <p:nvPr>
             <p:ph type="body" idx="21"/>
@@ -5895,18 +6012,26 @@
           <a:prstGeom prst="rect">
             <a:avLst/>
           </a:prstGeom>
-        </p:spPr>
-        <p:txBody>
-          <a:bodyPr/>
-          <a:lstStyle/>
-          <a:p>
-            <a:pPr/>
-          </a:p>
-        </p:txBody>
-      </p:sp>
-      <p:sp>
-        <p:nvSpPr>
-          <p:cNvPr id="197" name="Docker-образ - то, из чего будет создан контейнер. Это собранные вместо минимальная ОС, рантайм, приложение.…"/>
+          <a:extLst>
+            <a:ext uri="{C572A759-6A51-4108-AA02-DFA0A04FC94B}">
+              <ma14:wrappingTextBoxFlag xmlns:ma14="http://schemas.microsoft.com/office/mac/drawingml/2011/main" val="1"/>
+            </a:ext>
+          </a:extLst>
+        </p:spPr>
+        <p:txBody>
+          <a:bodyPr/>
+          <a:lstStyle/>
+          <a:p>
+            <a:pPr/>
+            <a:r>
+              <a:t>Чем контейнеризация отличается от виртуальных машин?</a:t>
+            </a:r>
+          </a:p>
+        </p:txBody>
+      </p:sp>
+      <p:sp>
+        <p:nvSpPr>
+          <p:cNvPr id="196" name="Контейнер работает поверх родительской ОС, это не полноценная виртуальная машина. Он работает за счёт изоляции ресурсов посредством механизма cgroups в Linux."/>
           <p:cNvSpPr txBox="1"/>
           <p:nvPr>
             <p:ph type="body" idx="1"/>
@@ -5921,62 +6046,42 @@
           <a:bodyPr/>
           <a:lstStyle/>
           <a:p>
-            <a:pPr marL="603504" indent="-603504" defTabSz="2413955">
-              <a:spcBef>
-                <a:spcPts val="4400"/>
-              </a:spcBef>
-              <a:defRPr sz="4752"/>
-            </a:pPr>
-            <a:r>
-              <a:t>Docker-образ - то, из чего будет создан контейнер. Это собранные вместо минимальная ОС, рантайм, приложение.</a:t>
-            </a:r>
-          </a:p>
-          <a:p>
-            <a:pPr marL="603504" indent="-603504" defTabSz="2413955">
-              <a:spcBef>
-                <a:spcPts val="4400"/>
-              </a:spcBef>
-              <a:defRPr sz="4752"/>
-            </a:pPr>
-            <a:r>
-              <a:t>Docker-образ описывается с помощью Dockerfile - файл с командами по сборке образа.</a:t>
-            </a:r>
-          </a:p>
-          <a:p>
-            <a:pPr marL="603504" indent="-603504" defTabSz="2413955">
-              <a:spcBef>
-                <a:spcPts val="4400"/>
-              </a:spcBef>
-              <a:defRPr sz="4752"/>
-            </a:pPr>
-            <a:r>
-              <a:t>Docker-образ состоит из слоёв. Слой - команда, результат выполнения которой можно переиспользовать.</a:t>
-            </a:r>
-          </a:p>
-          <a:p>
-            <a:pPr marL="603504" indent="-603504" defTabSz="2413955">
-              <a:spcBef>
-                <a:spcPts val="4400"/>
-              </a:spcBef>
-              <a:defRPr sz="4752"/>
-            </a:pPr>
-            <a:r>
-              <a:t>Не всякая команда может создавать слой. Таких четыре: FROM, RUN, COPY, ADD.</a:t>
-            </a:r>
-          </a:p>
-          <a:p>
-            <a:pPr marL="603504" indent="-603504" defTabSz="2413955">
-              <a:spcBef>
-                <a:spcPts val="4400"/>
-              </a:spcBef>
-              <a:defRPr sz="4752"/>
-            </a:pPr>
-            <a:r>
-              <a:t>Всего команд для сборки образа 18.</a:t>
-            </a:r>
-          </a:p>
-        </p:txBody>
-      </p:sp>
+            <a:pPr/>
+            <a:r>
+              <a:t>Контейнер работает поверх родительской ОС, это не полноценная виртуальная машина. Он работает за счёт изоляции ресурсов посредством механизма cgroups в Linux.</a:t>
+            </a:r>
+          </a:p>
+        </p:txBody>
+      </p:sp>
+      <p:pic>
+        <p:nvPicPr>
+          <p:cNvPr id="197" name="Изображение" descr="Изображение"/>
+          <p:cNvPicPr>
+            <a:picLocks noChangeAspect="1"/>
+          </p:cNvPicPr>
+          <p:nvPr/>
+        </p:nvPicPr>
+        <p:blipFill>
+          <a:blip r:embed="rId2">
+            <a:extLst/>
+          </a:blip>
+          <a:stretch>
+            <a:fillRect/>
+          </a:stretch>
+        </p:blipFill>
+        <p:spPr>
+          <a:xfrm>
+            <a:off x="4870450" y="6440973"/>
+            <a:ext cx="14643100" cy="7137401"/>
+          </a:xfrm>
+          <a:prstGeom prst="rect">
+            <a:avLst/>
+          </a:prstGeom>
+          <a:ln w="12700">
+            <a:miter lim="400000"/>
+          </a:ln>
+        </p:spPr>
+      </p:pic>
     </p:spTree>
   </p:cSld>
   <p:clrMapOvr>
@@ -6005,7 +6110,7 @@
       </p:grpSpPr>
       <p:sp>
         <p:nvSpPr>
-          <p:cNvPr id="199" name="Заголовок слайда"/>
+          <p:cNvPr id="199" name="Docker-образ"/>
           <p:cNvSpPr txBox="1"/>
           <p:nvPr>
             <p:ph type="title"/>
@@ -6021,6 +6126,9 @@
           <a:lstStyle/>
           <a:p>
             <a:pPr/>
+            <a:r>
+              <a:t>Docker-образ</a:t>
+            </a:r>
           </a:p>
         </p:txBody>
       </p:sp>
@@ -6047,7 +6155,7 @@
       </p:sp>
       <p:sp>
         <p:nvSpPr>
-          <p:cNvPr id="201" name="Текст пункта на слайде"/>
+          <p:cNvPr id="201" name="Docker-образ - то, из чего будет создан контейнер. Это собранные вместо минимальная ОС, рантайм, приложение.…"/>
           <p:cNvSpPr txBox="1"/>
           <p:nvPr>
             <p:ph type="body" idx="1"/>
@@ -6062,39 +6170,62 @@
           <a:bodyPr/>
           <a:lstStyle/>
           <a:p>
-            <a:pPr/>
-          </a:p>
-        </p:txBody>
-      </p:sp>
-      <p:pic>
-        <p:nvPicPr>
-          <p:cNvPr id="202" name="Изображение" descr="Изображение"/>
-          <p:cNvPicPr>
-            <a:picLocks noChangeAspect="1"/>
-          </p:cNvPicPr>
-          <p:nvPr/>
-        </p:nvPicPr>
-        <p:blipFill>
-          <a:blip r:embed="rId2">
-            <a:extLst/>
-          </a:blip>
-          <a:stretch>
-            <a:fillRect/>
-          </a:stretch>
-        </p:blipFill>
-        <p:spPr>
-          <a:xfrm>
-            <a:off x="0" y="2345774"/>
-            <a:ext cx="24384001" cy="9640568"/>
-          </a:xfrm>
-          <a:prstGeom prst="rect">
-            <a:avLst/>
-          </a:prstGeom>
-          <a:ln w="12700">
-            <a:miter lim="400000"/>
-          </a:ln>
-        </p:spPr>
-      </p:pic>
+            <a:pPr marL="603504" indent="-603504" defTabSz="2413955">
+              <a:spcBef>
+                <a:spcPts val="4400"/>
+              </a:spcBef>
+              <a:defRPr sz="4752"/>
+            </a:pPr>
+            <a:r>
+              <a:t>Docker-образ - то, из чего будет создан контейнер. Это собранные вместо минимальная ОС, рантайм, приложение.</a:t>
+            </a:r>
+          </a:p>
+          <a:p>
+            <a:pPr marL="603504" indent="-603504" defTabSz="2413955">
+              <a:spcBef>
+                <a:spcPts val="4400"/>
+              </a:spcBef>
+              <a:defRPr sz="4752"/>
+            </a:pPr>
+            <a:r>
+              <a:t>Docker-образ описывается с помощью Dockerfile - файл с командами по сборке образа.</a:t>
+            </a:r>
+          </a:p>
+          <a:p>
+            <a:pPr marL="603504" indent="-603504" defTabSz="2413955">
+              <a:spcBef>
+                <a:spcPts val="4400"/>
+              </a:spcBef>
+              <a:defRPr sz="4752"/>
+            </a:pPr>
+            <a:r>
+              <a:t>Docker-образ состоит из слоёв. Слой - команда, результат выполнения которой можно переиспользовать.</a:t>
+            </a:r>
+          </a:p>
+          <a:p>
+            <a:pPr marL="603504" indent="-603504" defTabSz="2413955">
+              <a:spcBef>
+                <a:spcPts val="4400"/>
+              </a:spcBef>
+              <a:defRPr sz="4752"/>
+            </a:pPr>
+            <a:r>
+              <a:t>Не всякая команда может создавать слой. Таких четыре: FROM, RUN, COPY, ADD.</a:t>
+            </a:r>
+          </a:p>
+          <a:p>
+            <a:pPr marL="603504" indent="-603504" defTabSz="2413955">
+              <a:spcBef>
+                <a:spcPts val="4400"/>
+              </a:spcBef>
+              <a:defRPr sz="4752"/>
+            </a:pPr>
+            <a:r>
+              <a:t>Всего команд для сборки образа 18.</a:t>
+            </a:r>
+          </a:p>
+        </p:txBody>
+      </p:sp>
     </p:spTree>
   </p:cSld>
   <p:clrMapOvr>
@@ -6123,7 +6254,7 @@
       </p:grpSpPr>
       <p:sp>
         <p:nvSpPr>
-          <p:cNvPr id="204" name="Заголовок слайда"/>
+          <p:cNvPr id="203" name="Заголовок слайда"/>
           <p:cNvSpPr txBox="1"/>
           <p:nvPr>
             <p:ph type="title"/>
@@ -6144,7 +6275,7 @@
       </p:sp>
       <p:sp>
         <p:nvSpPr>
-          <p:cNvPr id="205" name="Подзаголовок слайда"/>
+          <p:cNvPr id="204" name="Подзаголовок слайда"/>
           <p:cNvSpPr txBox="1"/>
           <p:nvPr>
             <p:ph type="body" idx="21"/>
@@ -6165,7 +6296,7 @@
       </p:sp>
       <p:sp>
         <p:nvSpPr>
-          <p:cNvPr id="206" name="У образа может быть базовый образ, с которого начинается сборка (задаётся командой FROM).…"/>
+          <p:cNvPr id="205" name="Текст пункта на слайде"/>
           <p:cNvSpPr txBox="1"/>
           <p:nvPr>
             <p:ph type="body" idx="1"/>
@@ -6181,30 +6312,38 @@
           <a:lstStyle/>
           <a:p>
             <a:pPr/>
-            <a:r>
-              <a:t>У образа может быть базовый образ, с которого начинается сборка (задаётся командой FROM).</a:t>
-            </a:r>
-          </a:p>
-          <a:p>
-            <a:pPr/>
-            <a:r>
-              <a:t>Это удобно тем, что в базовых образах уже есть вся инфраструктура для сборки и запуска приложения (например, SDK и рантайм).</a:t>
-            </a:r>
-          </a:p>
-          <a:p>
-            <a:pPr/>
-            <a:r>
-              <a:t>Базовых образов может быть несколько.</a:t>
-            </a:r>
-          </a:p>
-          <a:p>
-            <a:pPr/>
-            <a:r>
-              <a:t>Примеры базовых образов - dotnet/aspnet:8.0 и dotnet/sdk:8.0.</a:t>
-            </a:r>
-          </a:p>
-        </p:txBody>
-      </p:sp>
+          </a:p>
+        </p:txBody>
+      </p:sp>
+      <p:pic>
+        <p:nvPicPr>
+          <p:cNvPr id="206" name="Изображение" descr="Изображение"/>
+          <p:cNvPicPr>
+            <a:picLocks noChangeAspect="1"/>
+          </p:cNvPicPr>
+          <p:nvPr/>
+        </p:nvPicPr>
+        <p:blipFill>
+          <a:blip r:embed="rId2">
+            <a:extLst/>
+          </a:blip>
+          <a:stretch>
+            <a:fillRect/>
+          </a:stretch>
+        </p:blipFill>
+        <p:spPr>
+          <a:xfrm>
+            <a:off x="0" y="2345774"/>
+            <a:ext cx="24384001" cy="9640569"/>
+          </a:xfrm>
+          <a:prstGeom prst="rect">
+            <a:avLst/>
+          </a:prstGeom>
+          <a:ln w="12700">
+            <a:miter lim="400000"/>
+          </a:ln>
+        </p:spPr>
+      </p:pic>
     </p:spTree>
   </p:cSld>
   <p:clrMapOvr>
@@ -6233,7 +6372,7 @@
       </p:grpSpPr>
       <p:sp>
         <p:nvSpPr>
-          <p:cNvPr id="208" name="Docker registry"/>
+          <p:cNvPr id="208" name="Заголовок слайда"/>
           <p:cNvSpPr txBox="1"/>
           <p:nvPr>
             <p:ph type="title"/>
@@ -6249,9 +6388,6 @@
           <a:lstStyle/>
           <a:p>
             <a:pPr/>
-            <a:r>
-              <a:t>Docker registry</a:t>
-            </a:r>
           </a:p>
         </p:txBody>
       </p:sp>
@@ -6278,7 +6414,7 @@
       </p:sp>
       <p:sp>
         <p:nvSpPr>
-          <p:cNvPr id="210" name="Registry - хранилище Docker-образов. Может быть как облачным, так и self-hosted (обычно на базе Sonatype Nexus).…"/>
+          <p:cNvPr id="210" name="У образа может быть базовый образ, с которого начинается сборка (задаётся командой FROM).…"/>
           <p:cNvSpPr txBox="1"/>
           <p:nvPr>
             <p:ph type="body" idx="1"/>
@@ -6295,13 +6431,25 @@
           <a:p>
             <a:pPr/>
             <a:r>
-              <a:t>Registry - хранилище Docker-образов. Может быть как облачным, так и self-hosted (обычно на базе Sonatype Nexus).</a:t>
-            </a:r>
-          </a:p>
-          <a:p>
-            <a:pPr/>
-            <a:r>
-              <a:t>Самый известный registry - Docker Hub.</a:t>
+              <a:t>У образа может быть базовый образ, с которого начинается сборка (задаётся командой FROM).</a:t>
+            </a:r>
+          </a:p>
+          <a:p>
+            <a:pPr/>
+            <a:r>
+              <a:t>Это удобно тем, что в базовых образах уже есть вся инфраструктура для сборки и запуска приложения (например, SDK и рантайм).</a:t>
+            </a:r>
+          </a:p>
+          <a:p>
+            <a:pPr/>
+            <a:r>
+              <a:t>Базовых образов может быть несколько.</a:t>
+            </a:r>
+          </a:p>
+          <a:p>
+            <a:pPr/>
+            <a:r>
+              <a:t>Примеры базовых образов - dotnet/aspnet:8.0 и dotnet/sdk:8.0.</a:t>
             </a:r>
           </a:p>
         </p:txBody>
